--- a/캡스톤 디자인/시스템 구성도/MINERVA 시스템 구성도 V0.2.pptx
+++ b/캡스톤 디자인/시스템 구성도/MINERVA 시스템 구성도 V0.2.pptx
@@ -11432,13 +11432,8 @@
             <a:pPr algn="ctr"/>
             <a:r>
               <a:rPr lang="en-US" altLang="ko-KR" dirty="0" smtClean="0"/>
-              <a:t>(CCTV</a:t>
-            </a:r>
-            <a:r>
-              <a:rPr lang="en-US" altLang="ko-KR" dirty="0" smtClean="0"/>
-              <a:t>)</a:t>
-            </a:r>
-            <a:endParaRPr lang="en-US" altLang="ko-KR" dirty="0" smtClean="0"/>
+              <a:t>(CCTV)</a:t>
+            </a:r>
           </a:p>
         </p:txBody>
       </p:sp>
@@ -11666,7 +11661,7 @@
         </p:nvSpPr>
         <p:spPr>
           <a:xfrm>
-            <a:off x="3741726" y="3555554"/>
+            <a:off x="3848143" y="3997202"/>
             <a:ext cx="4273419" cy="1882929"/>
           </a:xfrm>
           <a:prstGeom prst="roundRect">
@@ -11702,15 +11697,7 @@
             <a:pPr algn="ctr"/>
             <a:r>
               <a:rPr lang="en-US" altLang="ko-KR" dirty="0" smtClean="0"/>
-              <a:t>(YOLOv8 </a:t>
-            </a:r>
-            <a:r>
-              <a:rPr lang="en-US" altLang="ko-KR" dirty="0" smtClean="0"/>
-              <a:t>+ </a:t>
-            </a:r>
-            <a:r>
-              <a:rPr lang="en-US" altLang="ko-KR" dirty="0" smtClean="0"/>
-              <a:t>Python)</a:t>
+              <a:t>(YOLOv8 + Python)</a:t>
             </a:r>
           </a:p>
           <a:p>
@@ -11838,8 +11825,8 @@
         </p:nvSpPr>
         <p:spPr>
           <a:xfrm>
-            <a:off x="669717" y="2751512"/>
-            <a:ext cx="1818110" cy="1330704"/>
+            <a:off x="669716" y="2626854"/>
+            <a:ext cx="2046408" cy="1174200"/>
           </a:xfrm>
           <a:prstGeom prst="roundRect">
             <a:avLst/>
@@ -11938,7 +11925,7 @@
         </p:nvSpPr>
         <p:spPr>
           <a:xfrm>
-            <a:off x="3741726" y="1316936"/>
+            <a:off x="3680212" y="1616497"/>
             <a:ext cx="4273419" cy="1882929"/>
           </a:xfrm>
           <a:prstGeom prst="roundRect">
@@ -11965,57 +11952,192 @@
           <a:p>
             <a:pPr algn="ctr"/>
             <a:r>
+              <a:rPr lang="ko-KR" altLang="en-US" smtClean="0"/>
+              <a:t>실시간 객체 인식</a:t>
+            </a:r>
+            <a:endParaRPr lang="en-US" altLang="ko-KR" smtClean="0"/>
+          </a:p>
+          <a:p>
+            <a:pPr algn="ctr"/>
+            <a:r>
+              <a:rPr lang="en-US" altLang="ko-KR" smtClean="0"/>
+              <a:t>(</a:t>
+            </a:r>
+            <a:r>
+              <a:rPr lang="ko-KR" altLang="en-US" smtClean="0"/>
+              <a:t>영상 관제</a:t>
+            </a:r>
+            <a:r>
+              <a:rPr lang="en-US" altLang="ko-KR" smtClean="0"/>
+              <a:t>)</a:t>
+            </a:r>
+          </a:p>
+          <a:p>
+            <a:pPr algn="ctr"/>
+            <a:endParaRPr lang="en-US" altLang="ko-KR" smtClean="0"/>
+          </a:p>
+          <a:p>
+            <a:pPr algn="ctr"/>
+            <a:r>
+              <a:rPr lang="ko-KR" altLang="en-US" smtClean="0"/>
+              <a:t>교통량</a:t>
+            </a:r>
+            <a:r>
+              <a:rPr lang="en-US" altLang="ko-KR" smtClean="0"/>
+              <a:t>/</a:t>
+            </a:r>
+            <a:r>
+              <a:rPr lang="ko-KR" altLang="en-US" smtClean="0"/>
+              <a:t>제어</a:t>
+            </a:r>
+            <a:endParaRPr lang="en-US" altLang="ko-KR" smtClean="0"/>
+          </a:p>
+          <a:p>
+            <a:pPr algn="ctr"/>
+            <a:r>
+              <a:rPr lang="ko-KR" altLang="en-US" smtClean="0"/>
+              <a:t>현황 분석</a:t>
+            </a:r>
+            <a:endParaRPr lang="en-US" altLang="ko-KR" dirty="0"/>
+          </a:p>
+        </p:txBody>
+      </p:sp>
+      <p:sp>
+        <p:nvSpPr>
+          <p:cNvPr id="12" name="직사각형 11"/>
+          <p:cNvSpPr/>
+          <p:nvPr/>
+        </p:nvSpPr>
+        <p:spPr>
+          <a:xfrm>
+            <a:off x="5325952" y="1376290"/>
+            <a:ext cx="1117880" cy="320808"/>
+          </a:xfrm>
+          <a:prstGeom prst="rect">
+            <a:avLst/>
+          </a:prstGeom>
+          <a:ln>
+            <a:noFill/>
+          </a:ln>
+        </p:spPr>
+        <p:style>
+          <a:lnRef idx="2">
+            <a:schemeClr val="dk1"/>
+          </a:lnRef>
+          <a:fillRef idx="1">
+            <a:schemeClr val="lt1"/>
+          </a:fillRef>
+          <a:effectRef idx="0">
+            <a:schemeClr val="dk1"/>
+          </a:effectRef>
+          <a:fontRef idx="minor">
+            <a:schemeClr val="dk1"/>
+          </a:fontRef>
+        </p:style>
+        <p:txBody>
+          <a:bodyPr rtlCol="0" anchor="ctr"/>
+          <a:lstStyle/>
+          <a:p>
+            <a:pPr algn="ctr"/>
+            <a:r>
               <a:rPr lang="ko-KR" altLang="en-US" dirty="0"/>
-              <a:t>실시간 객체 인식</a:t>
-            </a:r>
-            <a:endParaRPr lang="en-US" altLang="ko-KR" dirty="0"/>
-          </a:p>
+              <a:t>웹</a:t>
+            </a:r>
+            <a:endParaRPr lang="ko-KR" altLang="en-US" dirty="0"/>
+          </a:p>
+        </p:txBody>
+      </p:sp>
+      <p:sp>
+        <p:nvSpPr>
+          <p:cNvPr id="15" name="직사각형 14"/>
+          <p:cNvSpPr/>
+          <p:nvPr/>
+        </p:nvSpPr>
+        <p:spPr>
+          <a:xfrm>
+            <a:off x="5325952" y="3801053"/>
+            <a:ext cx="1117880" cy="320808"/>
+          </a:xfrm>
+          <a:prstGeom prst="rect">
+            <a:avLst/>
+          </a:prstGeom>
+          <a:ln>
+            <a:noFill/>
+          </a:ln>
+        </p:spPr>
+        <p:style>
+          <a:lnRef idx="2">
+            <a:schemeClr val="dk1"/>
+          </a:lnRef>
+          <a:fillRef idx="1">
+            <a:schemeClr val="lt1"/>
+          </a:fillRef>
+          <a:effectRef idx="0">
+            <a:schemeClr val="dk1"/>
+          </a:effectRef>
+          <a:fontRef idx="minor">
+            <a:schemeClr val="dk1"/>
+          </a:fontRef>
+        </p:style>
+        <p:txBody>
+          <a:bodyPr rtlCol="0" anchor="ctr"/>
+          <a:lstStyle/>
           <a:p>
             <a:pPr algn="ctr"/>
             <a:r>
-              <a:rPr lang="en-US" altLang="ko-KR" dirty="0"/>
-              <a:t>(</a:t>
-            </a:r>
-            <a:r>
-              <a:rPr lang="ko-KR" altLang="en-US" dirty="0"/>
-              <a:t>영상 관제</a:t>
-            </a:r>
-            <a:r>
-              <a:rPr lang="en-US" altLang="ko-KR" dirty="0"/>
-              <a:t>)</a:t>
-            </a:r>
-          </a:p>
+              <a:rPr lang="en-US" altLang="ko-KR" dirty="0" smtClean="0"/>
+              <a:t>AI </a:t>
+            </a:r>
+            <a:r>
+              <a:rPr lang="ko-KR" altLang="en-US" dirty="0" smtClean="0"/>
+              <a:t>모듈</a:t>
+            </a:r>
+            <a:endParaRPr lang="ko-KR" altLang="en-US" dirty="0"/>
+          </a:p>
+        </p:txBody>
+      </p:sp>
+      <p:sp>
+        <p:nvSpPr>
+          <p:cNvPr id="17" name="직사각형 16"/>
+          <p:cNvSpPr/>
+          <p:nvPr/>
+        </p:nvSpPr>
+        <p:spPr>
+          <a:xfrm>
+            <a:off x="1133980" y="2466450"/>
+            <a:ext cx="1117880" cy="320808"/>
+          </a:xfrm>
+          <a:prstGeom prst="rect">
+            <a:avLst/>
+          </a:prstGeom>
+          <a:ln>
+            <a:noFill/>
+          </a:ln>
+        </p:spPr>
+        <p:style>
+          <a:lnRef idx="2">
+            <a:schemeClr val="dk1"/>
+          </a:lnRef>
+          <a:fillRef idx="1">
+            <a:schemeClr val="lt1"/>
+          </a:fillRef>
+          <a:effectRef idx="0">
+            <a:schemeClr val="dk1"/>
+          </a:effectRef>
+          <a:fontRef idx="minor">
+            <a:schemeClr val="dk1"/>
+          </a:fontRef>
+        </p:style>
+        <p:txBody>
+          <a:bodyPr rtlCol="0" anchor="ctr"/>
+          <a:lstStyle/>
           <a:p>
             <a:pPr algn="ctr"/>
-            <a:endParaRPr lang="en-US" altLang="ko-KR" dirty="0"/>
-          </a:p>
-          <a:p>
-            <a:pPr algn="ctr"/>
-            <a:r>
-              <a:rPr lang="ko-KR" altLang="en-US" dirty="0"/>
-              <a:t>교통량</a:t>
-            </a:r>
-            <a:r>
-              <a:rPr lang="en-US" altLang="ko-KR" dirty="0"/>
-              <a:t>/</a:t>
-            </a:r>
-            <a:r>
-              <a:rPr lang="ko-KR" altLang="en-US" dirty="0"/>
-              <a:t>제어</a:t>
-            </a:r>
-            <a:endParaRPr lang="en-US" altLang="ko-KR" dirty="0"/>
-          </a:p>
-          <a:p>
-            <a:pPr algn="ctr"/>
-            <a:r>
-              <a:rPr lang="ko-KR" altLang="en-US" dirty="0"/>
-              <a:t>현황 </a:t>
-            </a:r>
             <a:r>
               <a:rPr lang="ko-KR" altLang="en-US" dirty="0" smtClean="0"/>
-              <a:t>분석</a:t>
-            </a:r>
-            <a:endParaRPr lang="en-US" altLang="ko-KR" dirty="0"/>
+              <a:t>사용자</a:t>
+            </a:r>
+            <a:endParaRPr lang="ko-KR" altLang="en-US" dirty="0"/>
           </a:p>
         </p:txBody>
       </p:sp>
